--- a/Präsentation.pptx
+++ b/Präsentation.pptx
@@ -283,7 +283,7 @@
           <a:p>
             <a:fld id="{D35E884B-9802-41CE-AEFD-EC8C3F616E32}" type="datetimeFigureOut">
               <a:rPr lang="de-CH" smtClean="0"/>
-              <a:t>21.02.2024</a:t>
+              <a:t>05.03.2024</a:t>
             </a:fld>
             <a:endParaRPr lang="de-CH" dirty="0"/>
           </a:p>
@@ -341,6 +341,18 @@
   <p:clrMapOvr>
     <a:overrideClrMapping bg1="dk1" tx1="lt1" bg2="dk2" tx2="lt2" accent1="accent1" accent2="accent2" accent3="accent3" accent4="accent4" accent5="accent5" accent6="accent6" hlink="hlink" folHlink="folHlink"/>
   </p:clrMapOvr>
+  <mc:AlternateContent xmlns:mc="http://schemas.openxmlformats.org/markup-compatibility/2006">
+    <mc:Choice xmlns:p14="http://schemas.microsoft.com/office/powerpoint/2010/main" Requires="p14">
+      <p:transition spd="med" p14:dur="700">
+        <p:fade/>
+      </p:transition>
+    </mc:Choice>
+    <mc:Fallback>
+      <p:transition spd="med">
+        <p:fade/>
+      </p:transition>
+    </mc:Fallback>
+  </mc:AlternateContent>
 </p:sldLayout>
 </file>
 
@@ -453,7 +465,7 @@
           <a:p>
             <a:fld id="{D35E884B-9802-41CE-AEFD-EC8C3F616E32}" type="datetimeFigureOut">
               <a:rPr lang="de-CH" smtClean="0"/>
-              <a:t>21.02.2024</a:t>
+              <a:t>05.03.2024</a:t>
             </a:fld>
             <a:endParaRPr lang="de-CH" dirty="0"/>
           </a:p>
@@ -511,6 +523,18 @@
   <p:clrMapOvr>
     <a:masterClrMapping/>
   </p:clrMapOvr>
+  <mc:AlternateContent xmlns:mc="http://schemas.openxmlformats.org/markup-compatibility/2006">
+    <mc:Choice xmlns:p14="http://schemas.microsoft.com/office/powerpoint/2010/main" Requires="p14">
+      <p:transition spd="med" p14:dur="700">
+        <p:fade/>
+      </p:transition>
+    </mc:Choice>
+    <mc:Fallback>
+      <p:transition spd="med">
+        <p:fade/>
+      </p:transition>
+    </mc:Fallback>
+  </mc:AlternateContent>
 </p:sldLayout>
 </file>
 
@@ -633,7 +657,7 @@
           <a:p>
             <a:fld id="{D35E884B-9802-41CE-AEFD-EC8C3F616E32}" type="datetimeFigureOut">
               <a:rPr lang="de-CH" smtClean="0"/>
-              <a:t>21.02.2024</a:t>
+              <a:t>05.03.2024</a:t>
             </a:fld>
             <a:endParaRPr lang="de-CH" dirty="0"/>
           </a:p>
@@ -691,6 +715,18 @@
   <p:clrMapOvr>
     <a:masterClrMapping/>
   </p:clrMapOvr>
+  <mc:AlternateContent xmlns:mc="http://schemas.openxmlformats.org/markup-compatibility/2006">
+    <mc:Choice xmlns:p14="http://schemas.microsoft.com/office/powerpoint/2010/main" Requires="p14">
+      <p:transition spd="med" p14:dur="700">
+        <p:fade/>
+      </p:transition>
+    </mc:Choice>
+    <mc:Fallback>
+      <p:transition spd="med">
+        <p:fade/>
+      </p:transition>
+    </mc:Fallback>
+  </mc:AlternateContent>
 </p:sldLayout>
 </file>
 
@@ -803,7 +839,7 @@
           <a:p>
             <a:fld id="{D35E884B-9802-41CE-AEFD-EC8C3F616E32}" type="datetimeFigureOut">
               <a:rPr lang="de-CH" smtClean="0"/>
-              <a:t>21.02.2024</a:t>
+              <a:t>05.03.2024</a:t>
             </a:fld>
             <a:endParaRPr lang="de-CH" dirty="0"/>
           </a:p>
@@ -861,6 +897,18 @@
   <p:clrMapOvr>
     <a:masterClrMapping/>
   </p:clrMapOvr>
+  <mc:AlternateContent xmlns:mc="http://schemas.openxmlformats.org/markup-compatibility/2006">
+    <mc:Choice xmlns:p14="http://schemas.microsoft.com/office/powerpoint/2010/main" Requires="p14">
+      <p:transition spd="med" p14:dur="700">
+        <p:fade/>
+      </p:transition>
+    </mc:Choice>
+    <mc:Fallback>
+      <p:transition spd="med">
+        <p:fade/>
+      </p:transition>
+    </mc:Fallback>
+  </mc:AlternateContent>
 </p:sldLayout>
 </file>
 
@@ -1071,7 +1119,7 @@
           <a:p>
             <a:fld id="{D35E884B-9802-41CE-AEFD-EC8C3F616E32}" type="datetimeFigureOut">
               <a:rPr lang="de-CH" smtClean="0"/>
-              <a:t>21.02.2024</a:t>
+              <a:t>05.03.2024</a:t>
             </a:fld>
             <a:endParaRPr lang="de-CH" dirty="0"/>
           </a:p>
@@ -1129,6 +1177,18 @@
   <p:clrMapOvr>
     <a:overrideClrMapping bg1="dk1" tx1="lt1" bg2="dk2" tx2="lt2" accent1="accent1" accent2="accent2" accent3="accent3" accent4="accent4" accent5="accent5" accent6="accent6" hlink="hlink" folHlink="folHlink"/>
   </p:clrMapOvr>
+  <mc:AlternateContent xmlns:mc="http://schemas.openxmlformats.org/markup-compatibility/2006">
+    <mc:Choice xmlns:p14="http://schemas.microsoft.com/office/powerpoint/2010/main" Requires="p14">
+      <p:transition spd="med" p14:dur="700">
+        <p:fade/>
+      </p:transition>
+    </mc:Choice>
+    <mc:Fallback>
+      <p:transition spd="med">
+        <p:fade/>
+      </p:transition>
+    </mc:Fallback>
+  </mc:AlternateContent>
 </p:sldLayout>
 </file>
 
@@ -1303,7 +1363,7 @@
           <a:p>
             <a:fld id="{D35E884B-9802-41CE-AEFD-EC8C3F616E32}" type="datetimeFigureOut">
               <a:rPr lang="de-CH" smtClean="0"/>
-              <a:t>21.02.2024</a:t>
+              <a:t>05.03.2024</a:t>
             </a:fld>
             <a:endParaRPr lang="de-CH" dirty="0"/>
           </a:p>
@@ -1361,6 +1421,18 @@
   <p:clrMapOvr>
     <a:masterClrMapping/>
   </p:clrMapOvr>
+  <mc:AlternateContent xmlns:mc="http://schemas.openxmlformats.org/markup-compatibility/2006">
+    <mc:Choice xmlns:p14="http://schemas.microsoft.com/office/powerpoint/2010/main" Requires="p14">
+      <p:transition spd="med" p14:dur="700">
+        <p:fade/>
+      </p:transition>
+    </mc:Choice>
+    <mc:Fallback>
+      <p:transition spd="med">
+        <p:fade/>
+      </p:transition>
+    </mc:Fallback>
+  </mc:AlternateContent>
 </p:sldLayout>
 </file>
 
@@ -1662,7 +1734,7 @@
           <a:p>
             <a:fld id="{D35E884B-9802-41CE-AEFD-EC8C3F616E32}" type="datetimeFigureOut">
               <a:rPr lang="de-CH" smtClean="0"/>
-              <a:t>21.02.2024</a:t>
+              <a:t>05.03.2024</a:t>
             </a:fld>
             <a:endParaRPr lang="de-CH" dirty="0"/>
           </a:p>
@@ -1743,6 +1815,18 @@
   <p:clrMapOvr>
     <a:masterClrMapping/>
   </p:clrMapOvr>
+  <mc:AlternateContent xmlns:mc="http://schemas.openxmlformats.org/markup-compatibility/2006">
+    <mc:Choice xmlns:p14="http://schemas.microsoft.com/office/powerpoint/2010/main" Requires="p14">
+      <p:transition spd="med" p14:dur="700">
+        <p:fade/>
+      </p:transition>
+    </mc:Choice>
+    <mc:Fallback>
+      <p:transition spd="med">
+        <p:fade/>
+      </p:transition>
+    </mc:Fallback>
+  </mc:AlternateContent>
 </p:sldLayout>
 </file>
 
@@ -1803,7 +1887,7 @@
           <a:p>
             <a:fld id="{D35E884B-9802-41CE-AEFD-EC8C3F616E32}" type="datetimeFigureOut">
               <a:rPr lang="de-CH" smtClean="0"/>
-              <a:t>21.02.2024</a:t>
+              <a:t>05.03.2024</a:t>
             </a:fld>
             <a:endParaRPr lang="de-CH" dirty="0"/>
           </a:p>
@@ -1861,6 +1945,18 @@
   <p:clrMapOvr>
     <a:masterClrMapping/>
   </p:clrMapOvr>
+  <mc:AlternateContent xmlns:mc="http://schemas.openxmlformats.org/markup-compatibility/2006">
+    <mc:Choice xmlns:p14="http://schemas.microsoft.com/office/powerpoint/2010/main" Requires="p14">
+      <p:transition spd="med" p14:dur="700">
+        <p:fade/>
+      </p:transition>
+    </mc:Choice>
+    <mc:Fallback>
+      <p:transition spd="med">
+        <p:fade/>
+      </p:transition>
+    </mc:Fallback>
+  </mc:AlternateContent>
 </p:sldLayout>
 </file>
 
@@ -1898,7 +1994,7 @@
           <a:p>
             <a:fld id="{D35E884B-9802-41CE-AEFD-EC8C3F616E32}" type="datetimeFigureOut">
               <a:rPr lang="de-CH" smtClean="0"/>
-              <a:t>21.02.2024</a:t>
+              <a:t>05.03.2024</a:t>
             </a:fld>
             <a:endParaRPr lang="de-CH" dirty="0"/>
           </a:p>
@@ -1956,6 +2052,18 @@
   <p:clrMapOvr>
     <a:masterClrMapping/>
   </p:clrMapOvr>
+  <mc:AlternateContent xmlns:mc="http://schemas.openxmlformats.org/markup-compatibility/2006">
+    <mc:Choice xmlns:p14="http://schemas.microsoft.com/office/powerpoint/2010/main" Requires="p14">
+      <p:transition spd="med" p14:dur="700">
+        <p:fade/>
+      </p:transition>
+    </mc:Choice>
+    <mc:Fallback>
+      <p:transition spd="med">
+        <p:fade/>
+      </p:transition>
+    </mc:Fallback>
+  </mc:AlternateContent>
 </p:sldLayout>
 </file>
 
@@ -2255,7 +2363,7 @@
           <a:p>
             <a:fld id="{D35E884B-9802-41CE-AEFD-EC8C3F616E32}" type="datetimeFigureOut">
               <a:rPr lang="de-CH" smtClean="0"/>
-              <a:t>21.02.2024</a:t>
+              <a:t>05.03.2024</a:t>
             </a:fld>
             <a:endParaRPr lang="de-CH" dirty="0"/>
           </a:p>
@@ -2328,6 +2436,18 @@
   <p:clrMapOvr>
     <a:masterClrMapping/>
   </p:clrMapOvr>
+  <mc:AlternateContent xmlns:mc="http://schemas.openxmlformats.org/markup-compatibility/2006">
+    <mc:Choice xmlns:p14="http://schemas.microsoft.com/office/powerpoint/2010/main" Requires="p14">
+      <p:transition spd="med" p14:dur="700">
+        <p:fade/>
+      </p:transition>
+    </mc:Choice>
+    <mc:Fallback>
+      <p:transition spd="med">
+        <p:fade/>
+      </p:transition>
+    </mc:Fallback>
+  </mc:AlternateContent>
 </p:sldLayout>
 </file>
 
@@ -2612,7 +2732,7 @@
           <a:p>
             <a:fld id="{D35E884B-9802-41CE-AEFD-EC8C3F616E32}" type="datetimeFigureOut">
               <a:rPr lang="de-CH" smtClean="0"/>
-              <a:t>21.02.2024</a:t>
+              <a:t>05.03.2024</a:t>
             </a:fld>
             <a:endParaRPr lang="de-CH" dirty="0"/>
           </a:p>
@@ -2685,6 +2805,18 @@
   <p:clrMapOvr>
     <a:masterClrMapping/>
   </p:clrMapOvr>
+  <mc:AlternateContent xmlns:mc="http://schemas.openxmlformats.org/markup-compatibility/2006">
+    <mc:Choice xmlns:p14="http://schemas.microsoft.com/office/powerpoint/2010/main" Requires="p14">
+      <p:transition spd="med" p14:dur="700">
+        <p:fade/>
+      </p:transition>
+    </mc:Choice>
+    <mc:Fallback>
+      <p:transition spd="med">
+        <p:fade/>
+      </p:transition>
+    </mc:Fallback>
+  </mc:AlternateContent>
 </p:sldLayout>
 </file>
 
@@ -2854,7 +2986,7 @@
           <a:p>
             <a:fld id="{D35E884B-9802-41CE-AEFD-EC8C3F616E32}" type="datetimeFigureOut">
               <a:rPr lang="de-CH" smtClean="0"/>
-              <a:t>21.02.2024</a:t>
+              <a:t>05.03.2024</a:t>
             </a:fld>
             <a:endParaRPr lang="de-CH" dirty="0"/>
           </a:p>
@@ -2964,6 +3096,18 @@
     <p:sldLayoutId id="2147483670" r:id="rId10"/>
     <p:sldLayoutId id="2147483671" r:id="rId11"/>
   </p:sldLayoutIdLst>
+  <mc:AlternateContent xmlns:mc="http://schemas.openxmlformats.org/markup-compatibility/2006">
+    <mc:Choice xmlns:p14="http://schemas.microsoft.com/office/powerpoint/2010/main" Requires="p14">
+      <p:transition spd="med" p14:dur="700">
+        <p:fade/>
+      </p:transition>
+    </mc:Choice>
+    <mc:Fallback>
+      <p:transition spd="med">
+        <p:fade/>
+      </p:transition>
+    </mc:Fallback>
+  </mc:AlternateContent>
   <p:txStyles>
     <p:titleStyle>
       <a:lvl1pPr algn="ctr" defTabSz="914400" rtl="0" eaLnBrk="1" latinLnBrk="0" hangingPunct="1">
@@ -3410,6 +3554,14 @@
   <p:clrMapOvr>
     <a:masterClrMapping/>
   </p:clrMapOvr>
+  <mc:AlternateContent xmlns:mc="http://schemas.openxmlformats.org/markup-compatibility/2006">
+    <mc:Choice xmlns:p14="http://schemas.microsoft.com/office/powerpoint/2010/main" Requires="p14">
+      <p:transition p14:dur="0"/>
+    </mc:Choice>
+    <mc:Fallback>
+      <p:transition/>
+    </mc:Fallback>
+  </mc:AlternateContent>
 </p:sld>
 </file>
 
@@ -3471,7 +3623,7 @@
           <p:nvPr>
             <p:extLst>
               <p:ext uri="{D42A27DB-BD31-4B8C-83A1-F6EECF244321}">
-                <p14:modId xmlns:p14="http://schemas.microsoft.com/office/powerpoint/2010/main" val="2804654757"/>
+                <p14:modId xmlns:p14="http://schemas.microsoft.com/office/powerpoint/2010/main" val="2026384514"/>
               </p:ext>
             </p:extLst>
           </p:nvPr>
@@ -3518,7 +3670,7 @@
                         <a:buNone/>
                       </a:pPr>
                       <a:r>
-                        <a:rPr lang="en" sz="1100" b="1">
+                        <a:rPr lang="en" sz="1600" b="1">
                           <a:solidFill>
                             <a:schemeClr val="lt1"/>
                           </a:solidFill>
@@ -3532,7 +3684,7 @@
                         </a:rPr>
                         <a:t>Dokumentbeschreibung</a:t>
                       </a:r>
-                      <a:endParaRPr sz="1100" b="1" dirty="0">
+                      <a:endParaRPr sz="1600" b="1" dirty="0">
                         <a:solidFill>
                           <a:schemeClr val="lt1"/>
                         </a:solidFill>
@@ -3600,7 +3752,7 @@
                         <a:buNone/>
                       </a:pPr>
                       <a:r>
-                        <a:rPr lang="de-CH" sz="1000" dirty="0">
+                        <a:rPr lang="de-CH" sz="1600" dirty="0">
                           <a:solidFill>
                             <a:schemeClr val="dk1"/>
                           </a:solidFill>
@@ -3611,7 +3763,7 @@
                         </a:rPr>
                         <a:t>Wie, Was und Warum?</a:t>
                       </a:r>
-                      <a:endParaRPr sz="1000" dirty="0">
+                      <a:endParaRPr sz="1600" dirty="0">
                         <a:solidFill>
                           <a:schemeClr val="dk1"/>
                         </a:solidFill>
@@ -3683,7 +3835,7 @@
                         <a:buNone/>
                       </a:pPr>
                       <a:r>
-                        <a:rPr lang="en" sz="1100" b="1">
+                        <a:rPr lang="en" sz="1600" b="1">
                           <a:solidFill>
                             <a:schemeClr val="lt1"/>
                           </a:solidFill>
@@ -3697,7 +3849,7 @@
                         </a:rPr>
                         <a:t>Ziele</a:t>
                       </a:r>
-                      <a:endParaRPr sz="1100" b="1" dirty="0">
+                      <a:endParaRPr sz="1600" b="1" dirty="0">
                         <a:solidFill>
                           <a:schemeClr val="lt1"/>
                         </a:solidFill>
@@ -3768,7 +3920,7 @@
                         <a:buNone/>
                       </a:pPr>
                       <a:r>
-                        <a:rPr lang="en" sz="1000">
+                        <a:rPr lang="en" sz="1600">
                           <a:solidFill>
                             <a:schemeClr val="dk1"/>
                           </a:solidFill>
@@ -3779,7 +3931,7 @@
                         </a:rPr>
                         <a:t>Meilensteine</a:t>
                       </a:r>
-                      <a:endParaRPr sz="1000" dirty="0">
+                      <a:endParaRPr sz="1600" dirty="0">
                         <a:solidFill>
                           <a:schemeClr val="dk1"/>
                         </a:solidFill>
@@ -3851,7 +4003,7 @@
                         <a:buNone/>
                       </a:pPr>
                       <a:r>
-                        <a:rPr lang="en" sz="1100" b="1">
+                        <a:rPr lang="en" sz="1600" b="1">
                           <a:solidFill>
                             <a:schemeClr val="lt1"/>
                           </a:solidFill>
@@ -3865,7 +4017,7 @@
                         </a:rPr>
                         <a:t>Erreichte Zwischenziele</a:t>
                       </a:r>
-                      <a:endParaRPr sz="1100" b="1" dirty="0">
+                      <a:endParaRPr sz="1600" b="1" dirty="0">
                         <a:solidFill>
                           <a:schemeClr val="lt1"/>
                         </a:solidFill>
@@ -3933,7 +4085,7 @@
                         <a:buNone/>
                       </a:pPr>
                       <a:r>
-                        <a:rPr lang="en" sz="1000">
+                        <a:rPr lang="en" sz="1600">
                           <a:solidFill>
                             <a:schemeClr val="dk1"/>
                           </a:solidFill>
@@ -3942,9 +4094,9 @@
                           <a:cs typeface="Albert Sans"/>
                           <a:sym typeface="Albert Sans"/>
                         </a:rPr>
-                        <a:t>Was Wann</a:t>
+                        <a:t>Was, Wann?</a:t>
                       </a:r>
-                      <a:endParaRPr sz="1000" dirty="0">
+                      <a:endParaRPr sz="1600" dirty="0">
                         <a:solidFill>
                           <a:schemeClr val="dk1"/>
                         </a:solidFill>
@@ -4016,7 +4168,7 @@
                         <a:buNone/>
                       </a:pPr>
                       <a:r>
-                        <a:rPr lang="en" sz="1100" b="1">
+                        <a:rPr lang="en" sz="1600" b="1">
                           <a:solidFill>
                             <a:schemeClr val="lt1"/>
                           </a:solidFill>
@@ -4030,7 +4182,7 @@
                         </a:rPr>
                         <a:t>Demonstration</a:t>
                       </a:r>
-                      <a:endParaRPr sz="1100" b="1" dirty="0">
+                      <a:endParaRPr sz="1600" b="1" dirty="0">
                         <a:solidFill>
                           <a:schemeClr val="lt1"/>
                         </a:solidFill>
@@ -4098,7 +4250,7 @@
                         <a:buNone/>
                       </a:pPr>
                       <a:r>
-                        <a:rPr lang="en" sz="1000">
+                        <a:rPr lang="en" sz="1600">
                           <a:solidFill>
                             <a:schemeClr val="dk1"/>
                           </a:solidFill>
@@ -4107,9 +4259,9 @@
                           <a:cs typeface="Albert Sans"/>
                           <a:sym typeface="Albert Sans"/>
                         </a:rPr>
-                        <a:t>Website Übersicht</a:t>
+                        <a:t>Vorschau Website</a:t>
                       </a:r>
-                      <a:endParaRPr sz="1000" dirty="0">
+                      <a:endParaRPr sz="1600" dirty="0">
                         <a:solidFill>
                           <a:schemeClr val="dk1"/>
                         </a:solidFill>
@@ -4181,7 +4333,7 @@
                         <a:buNone/>
                       </a:pPr>
                       <a:r>
-                        <a:rPr lang="de-CH" sz="1100" b="1" dirty="0">
+                        <a:rPr lang="de-CH" sz="1600" b="1" dirty="0">
                           <a:solidFill>
                             <a:schemeClr val="lt1"/>
                           </a:solidFill>
@@ -4195,7 +4347,7 @@
                         </a:rPr>
                         <a:t>Pros &amp; Contras</a:t>
                       </a:r>
-                      <a:endParaRPr sz="1100" b="1" dirty="0">
+                      <a:endParaRPr sz="1600" b="1" dirty="0">
                         <a:solidFill>
                           <a:schemeClr val="lt1"/>
                         </a:solidFill>
@@ -4263,7 +4415,7 @@
                         <a:buNone/>
                       </a:pPr>
                       <a:r>
-                        <a:rPr lang="en" sz="1000">
+                        <a:rPr lang="en" sz="1600">
                           <a:solidFill>
                             <a:schemeClr val="dk1"/>
                           </a:solidFill>
@@ -4274,7 +4426,7 @@
                         </a:rPr>
                         <a:t>Positives und Negatives</a:t>
                       </a:r>
-                      <a:endParaRPr sz="1000" dirty="0">
+                      <a:endParaRPr sz="1600" dirty="0">
                         <a:solidFill>
                           <a:schemeClr val="dk1"/>
                         </a:solidFill>
@@ -4346,7 +4498,7 @@
                         <a:buNone/>
                       </a:pPr>
                       <a:r>
-                        <a:rPr lang="en" sz="1100" b="1">
+                        <a:rPr lang="en" sz="1600" b="1">
                           <a:solidFill>
                             <a:schemeClr val="lt1"/>
                           </a:solidFill>
@@ -4357,7 +4509,7 @@
                         </a:rPr>
                         <a:t>Fazit</a:t>
                       </a:r>
-                      <a:endParaRPr sz="1100" b="1" dirty="0">
+                      <a:endParaRPr sz="1600" b="1" dirty="0">
                         <a:solidFill>
                           <a:schemeClr val="lt1"/>
                         </a:solidFill>
@@ -4425,7 +4577,7 @@
                         <a:buNone/>
                       </a:pPr>
                       <a:r>
-                        <a:rPr lang="en" sz="1000">
+                        <a:rPr lang="en" sz="1600">
                           <a:solidFill>
                             <a:schemeClr val="dk1"/>
                           </a:solidFill>
@@ -4436,7 +4588,7 @@
                         </a:rPr>
                         <a:t>Analyse</a:t>
                       </a:r>
-                      <a:endParaRPr sz="1000" dirty="0">
+                      <a:endParaRPr sz="1600" dirty="0">
                         <a:solidFill>
                           <a:schemeClr val="dk1"/>
                         </a:solidFill>
@@ -4508,7 +4660,7 @@
                         <a:buNone/>
                       </a:pPr>
                       <a:r>
-                        <a:rPr lang="de-CH" sz="1100" b="1" dirty="0">
+                        <a:rPr lang="de-CH" sz="1600" b="1" dirty="0">
                           <a:solidFill>
                             <a:schemeClr val="lt1"/>
                           </a:solidFill>
@@ -4519,7 +4671,7 @@
                         </a:rPr>
                         <a:t>Quellenverzeichnis-Abspann</a:t>
                       </a:r>
-                      <a:endParaRPr sz="1100" b="1" dirty="0">
+                      <a:endParaRPr sz="1600" b="1" dirty="0">
                         <a:solidFill>
                           <a:schemeClr val="lt1"/>
                         </a:solidFill>
@@ -4587,7 +4739,7 @@
                         <a:buNone/>
                       </a:pPr>
                       <a:r>
-                        <a:rPr lang="de-CH" sz="1000" dirty="0" err="1">
+                        <a:rPr lang="de-CH" sz="1600">
                           <a:solidFill>
                             <a:schemeClr val="dk1"/>
                           </a:solidFill>
@@ -4596,9 +4748,9 @@
                           <a:cs typeface="Albert Sans"/>
                           <a:sym typeface="Albert Sans"/>
                         </a:rPr>
-                        <a:t>Dankansagung</a:t>
+                        <a:t>Dankansagung und Quellenverzeichnis</a:t>
                       </a:r>
-                      <a:endParaRPr sz="1000">
+                      <a:endParaRPr sz="1600">
                         <a:solidFill>
                           <a:schemeClr val="dk1"/>
                         </a:solidFill>
@@ -4668,6 +4820,18 @@
   <p:clrMapOvr>
     <a:masterClrMapping/>
   </p:clrMapOvr>
+  <mc:AlternateContent xmlns:mc="http://schemas.openxmlformats.org/markup-compatibility/2006">
+    <mc:Choice xmlns:p14="http://schemas.microsoft.com/office/powerpoint/2010/main" Requires="p14">
+      <p:transition spd="med" p14:dur="700">
+        <p:fade/>
+      </p:transition>
+    </mc:Choice>
+    <mc:Fallback>
+      <p:transition spd="med">
+        <p:fade/>
+      </p:transition>
+    </mc:Fallback>
+  </mc:AlternateContent>
 </p:sld>
 </file>
 
@@ -4830,7 +4994,7 @@
                 <a:cs typeface="Audiowide"/>
                 <a:sym typeface="Audiowide"/>
               </a:rPr>
-              <a:t>Updates</a:t>
+              <a:t>Warum</a:t>
             </a:r>
             <a:endParaRPr sz="1800">
               <a:solidFill>
@@ -4885,7 +5049,7 @@
               <a:buNone/>
             </a:pPr>
             <a:r>
-              <a:rPr lang="de-CH" sz="1200">
+              <a:rPr lang="de-CH" sz="1400">
                 <a:solidFill>
                   <a:schemeClr val="dk1"/>
                 </a:solidFill>
@@ -4896,7 +5060,7 @@
               </a:rPr>
               <a:t>Mit JSON</a:t>
             </a:r>
-            <a:endParaRPr sz="1200">
+            <a:endParaRPr sz="1400">
               <a:solidFill>
                 <a:schemeClr val="dk1"/>
               </a:solidFill>
@@ -4949,7 +5113,7 @@
               <a:buNone/>
             </a:pPr>
             <a:r>
-              <a:rPr lang="en" sz="1200">
+              <a:rPr lang="en" sz="1400">
                 <a:solidFill>
                   <a:schemeClr val="dk1"/>
                 </a:solidFill>
@@ -4958,9 +5122,9 @@
                 <a:cs typeface="Albert Sans"/>
                 <a:sym typeface="Albert Sans"/>
               </a:rPr>
-              <a:t>Vieleicht eine Trackingfunktion</a:t>
+              <a:t>Eigennutzen</a:t>
             </a:r>
-            <a:endParaRPr sz="1200">
+            <a:endParaRPr sz="1400">
               <a:solidFill>
                 <a:schemeClr val="dk1"/>
               </a:solidFill>
@@ -5269,7 +5433,7 @@
               <a:buNone/>
             </a:pPr>
             <a:r>
-              <a:rPr lang="en" sz="1200">
+              <a:rPr lang="en" sz="1400">
                 <a:solidFill>
                   <a:schemeClr val="dk1"/>
                 </a:solidFill>
@@ -5280,7 +5444,7 @@
               </a:rPr>
               <a:t>Workout planer für Baseballspieler</a:t>
             </a:r>
-            <a:endParaRPr sz="1200">
+            <a:endParaRPr sz="1400">
               <a:solidFill>
                 <a:schemeClr val="dk1"/>
               </a:solidFill>
@@ -5333,7 +5497,7 @@
               <a:buNone/>
             </a:pPr>
             <a:r>
-              <a:rPr lang="en" sz="1200">
+              <a:rPr lang="en" sz="1400">
                 <a:solidFill>
                   <a:schemeClr val="dk1"/>
                 </a:solidFill>
@@ -5344,7 +5508,7 @@
               </a:rPr>
               <a:t>Mit HTML, CSS und JavaScript</a:t>
             </a:r>
-            <a:endParaRPr sz="1200">
+            <a:endParaRPr sz="1400">
               <a:solidFill>
                 <a:schemeClr val="dk1"/>
               </a:solidFill>
@@ -5397,7 +5561,7 @@
               <a:buNone/>
             </a:pPr>
             <a:r>
-              <a:rPr lang="de-CH" sz="1200">
+              <a:rPr lang="de-CH" sz="1400">
                 <a:solidFill>
                   <a:schemeClr val="dk1"/>
                 </a:solidFill>
@@ -5420,7 +5584,7 @@
               <a:buNone/>
             </a:pPr>
             <a:r>
-              <a:rPr lang="de-CH" sz="1200">
+              <a:rPr lang="de-CH" sz="1400">
                 <a:solidFill>
                   <a:schemeClr val="dk1"/>
                 </a:solidFill>
@@ -5431,7 +5595,7 @@
               </a:rPr>
               <a:t>Workout Generator </a:t>
             </a:r>
-            <a:endParaRPr sz="1200">
+            <a:endParaRPr sz="1400">
               <a:solidFill>
                 <a:schemeClr val="dk1"/>
               </a:solidFill>
@@ -5484,7 +5648,7 @@
               <a:buNone/>
             </a:pPr>
             <a:r>
-              <a:rPr lang="de-CH" sz="1200">
+              <a:rPr lang="de-CH" sz="1400">
                 <a:solidFill>
                   <a:schemeClr val="dk1"/>
                 </a:solidFill>
@@ -5495,7 +5659,7 @@
               </a:rPr>
               <a:t>9 HTML, 4 CSS</a:t>
             </a:r>
-            <a:endParaRPr sz="1200">
+            <a:endParaRPr sz="1400">
               <a:solidFill>
                 <a:schemeClr val="dk1"/>
               </a:solidFill>
@@ -5783,6 +5947,7 @@
         </p:nvPicPr>
         <p:blipFill rotWithShape="1">
           <a:blip r:embed="rId2">
+            <a:alphaModFix amt="45000"/>
             <a:extLst>
               <a:ext uri="{28A0092B-C50C-407E-A947-70E740481C1C}">
                 <a14:useLocalDpi xmlns:a14="http://schemas.microsoft.com/office/drawing/2010/main" val="0"/>
@@ -9759,6 +9924,18 @@
   <p:clrMapOvr>
     <a:masterClrMapping/>
   </p:clrMapOvr>
+  <mc:AlternateContent xmlns:mc="http://schemas.openxmlformats.org/markup-compatibility/2006">
+    <mc:Choice xmlns:p14="http://schemas.microsoft.com/office/powerpoint/2010/main" Requires="p14">
+      <p:transition spd="med" p14:dur="700">
+        <p:fade/>
+      </p:transition>
+    </mc:Choice>
+    <mc:Fallback>
+      <p:transition spd="med">
+        <p:fade/>
+      </p:transition>
+    </mc:Fallback>
+  </mc:AlternateContent>
 </p:sld>
 </file>
 
@@ -9848,7 +10025,7 @@
               <a:buNone/>
             </a:pPr>
             <a:r>
-              <a:rPr lang="en-US" sz="1200">
+              <a:rPr lang="en-US" sz="1400">
                 <a:solidFill>
                   <a:schemeClr val="dk1"/>
                 </a:solidFill>
@@ -9859,6 +10036,15 @@
               </a:rPr>
               <a:t>Projektinitialisierung</a:t>
             </a:r>
+            <a:endParaRPr lang="en-US" sz="1200">
+              <a:solidFill>
+                <a:schemeClr val="dk1"/>
+              </a:solidFill>
+              <a:latin typeface="Albert Sans"/>
+              <a:ea typeface="Albert Sans"/>
+              <a:cs typeface="Albert Sans"/>
+              <a:sym typeface="Albert Sans"/>
+            </a:endParaRPr>
           </a:p>
         </p:txBody>
       </p:sp>
@@ -9903,7 +10089,7 @@
               <a:buNone/>
             </a:pPr>
             <a:r>
-              <a:rPr lang="en-US" sz="1200">
+              <a:rPr lang="en-US" sz="1400">
                 <a:solidFill>
                   <a:schemeClr val="dk1"/>
                 </a:solidFill>
@@ -9967,7 +10153,7 @@
               <a:buNone/>
             </a:pPr>
             <a:r>
-              <a:rPr lang="de-DE" sz="1200">
+              <a:rPr lang="de-DE" sz="1400">
                 <a:solidFill>
                   <a:schemeClr val="dk1"/>
                 </a:solidFill>
@@ -9978,7 +10164,7 @@
               </a:rPr>
               <a:t>Datenbank für Baseball Fitness erstellen</a:t>
             </a:r>
-            <a:endParaRPr lang="en-US" sz="1200">
+            <a:endParaRPr lang="en-US" sz="1400">
               <a:solidFill>
                 <a:schemeClr val="dk1"/>
               </a:solidFill>
@@ -10004,8 +10190,8 @@
         </p:nvSpPr>
         <p:spPr>
           <a:xfrm flipH="1">
-            <a:off x="8009525" y="3107175"/>
-            <a:ext cx="1745100" cy="802800"/>
+            <a:off x="8009524" y="3107175"/>
+            <a:ext cx="1846691" cy="802800"/>
           </a:xfrm>
           <a:prstGeom prst="rect">
             <a:avLst/>
@@ -10031,7 +10217,7 @@
               <a:buNone/>
             </a:pPr>
             <a:r>
-              <a:rPr lang="de-DE" sz="1200">
+              <a:rPr lang="de-DE" sz="1400">
                 <a:solidFill>
                   <a:schemeClr val="dk1"/>
                 </a:solidFill>
@@ -10042,7 +10228,7 @@
               </a:rPr>
               <a:t>Datenbankverbindung für Baseball Fitness herstellen</a:t>
             </a:r>
-            <a:endParaRPr lang="en-US" sz="1200" b="1">
+            <a:endParaRPr lang="en-US" sz="1400" b="1">
               <a:solidFill>
                 <a:schemeClr val="dk1"/>
               </a:solidFill>
@@ -10095,7 +10281,7 @@
               <a:buNone/>
             </a:pPr>
             <a:r>
-              <a:rPr lang="en-US" sz="1200">
+              <a:rPr lang="en-US" sz="1400">
                 <a:solidFill>
                   <a:schemeClr val="dk1"/>
                 </a:solidFill>
@@ -10150,7 +10336,7 @@
               <a:buNone/>
             </a:pPr>
             <a:r>
-              <a:rPr lang="de-DE" sz="1200">
+              <a:rPr lang="de-DE" sz="1400">
                 <a:solidFill>
                   <a:schemeClr val="dk1"/>
                 </a:solidFill>
@@ -10161,7 +10347,7 @@
               </a:rPr>
               <a:t>HTML-Datei für die Baseball Fitness Benutzeroberfläche erstellen</a:t>
             </a:r>
-            <a:endParaRPr lang="en-US" sz="1200">
+            <a:endParaRPr lang="en-US" sz="1400">
               <a:solidFill>
                 <a:schemeClr val="dk1"/>
               </a:solidFill>
@@ -10214,7 +10400,7 @@
               <a:buNone/>
             </a:pPr>
             <a:r>
-              <a:rPr lang="en-US" sz="1200">
+              <a:rPr lang="en-US" sz="1400">
                 <a:solidFill>
                   <a:schemeClr val="dk1"/>
                 </a:solidFill>
@@ -10225,7 +10411,7 @@
               </a:rPr>
               <a:t>Styling hinzufügen </a:t>
             </a:r>
-            <a:endParaRPr lang="en-US" sz="1200" b="1">
+            <a:endParaRPr lang="en-US" sz="1400" b="1">
               <a:solidFill>
                 <a:schemeClr val="dk1"/>
               </a:solidFill>
@@ -10278,7 +10464,7 @@
               <a:buNone/>
             </a:pPr>
             <a:r>
-              <a:rPr lang="de-DE" sz="1200">
+              <a:rPr lang="de-DE" sz="1400">
                 <a:solidFill>
                   <a:schemeClr val="dk1"/>
                 </a:solidFill>
@@ -10289,7 +10475,7 @@
               </a:rPr>
               <a:t>Benutzeroberfläche für Baseball Fitness verfeinern</a:t>
             </a:r>
-            <a:endParaRPr lang="en-US" sz="1200" b="1">
+            <a:endParaRPr lang="en-US" sz="1400" b="1">
               <a:solidFill>
                 <a:schemeClr val="dk1"/>
               </a:solidFill>
@@ -11122,6 +11308,18 @@
   <p:clrMapOvr>
     <a:masterClrMapping/>
   </p:clrMapOvr>
+  <mc:AlternateContent xmlns:mc="http://schemas.openxmlformats.org/markup-compatibility/2006">
+    <mc:Choice xmlns:p14="http://schemas.microsoft.com/office/powerpoint/2010/main" Requires="p14">
+      <p:transition spd="med" p14:dur="700">
+        <p:fade/>
+      </p:transition>
+    </mc:Choice>
+    <mc:Fallback>
+      <p:transition spd="med">
+        <p:fade/>
+      </p:transition>
+    </mc:Fallback>
+  </mc:AlternateContent>
 </p:sld>
 </file>
 
@@ -11210,7 +11408,7 @@
         </p:nvGraphicFramePr>
         <p:xfrm>
           <a:off x="1567179" y="2638425"/>
-          <a:ext cx="9057649" cy="3270603"/>
+          <a:ext cx="9057649" cy="3101977"/>
         </p:xfrm>
         <a:graphic>
           <a:graphicData uri="http://schemas.openxmlformats.org/drawingml/2006/table">
@@ -15301,6 +15499,18 @@
   <p:clrMapOvr>
     <a:masterClrMapping/>
   </p:clrMapOvr>
+  <mc:AlternateContent xmlns:mc="http://schemas.openxmlformats.org/markup-compatibility/2006">
+    <mc:Choice xmlns:p14="http://schemas.microsoft.com/office/powerpoint/2010/main" Requires="p14">
+      <p:transition spd="med" p14:dur="700">
+        <p:fade/>
+      </p:transition>
+    </mc:Choice>
+    <mc:Fallback>
+      <p:transition spd="med">
+        <p:fade/>
+      </p:transition>
+    </mc:Fallback>
+  </mc:AlternateContent>
 </p:sld>
 </file>
 
@@ -15364,6 +15574,18 @@
   <p:clrMapOvr>
     <a:masterClrMapping/>
   </p:clrMapOvr>
+  <mc:AlternateContent xmlns:mc="http://schemas.openxmlformats.org/markup-compatibility/2006">
+    <mc:Choice xmlns:p14="http://schemas.microsoft.com/office/powerpoint/2010/main" Requires="p14">
+      <p:transition spd="med" p14:dur="700">
+        <p:fade/>
+      </p:transition>
+    </mc:Choice>
+    <mc:Fallback>
+      <p:transition spd="med">
+        <p:fade/>
+      </p:transition>
+    </mc:Fallback>
+  </mc:AlternateContent>
 </p:sld>
 </file>
 
@@ -19677,6 +19899,18 @@
   <p:clrMapOvr>
     <a:masterClrMapping/>
   </p:clrMapOvr>
+  <mc:AlternateContent xmlns:mc="http://schemas.openxmlformats.org/markup-compatibility/2006">
+    <mc:Choice xmlns:p14="http://schemas.microsoft.com/office/powerpoint/2010/main" Requires="p14">
+      <p:transition spd="med" p14:dur="700">
+        <p:fade/>
+      </p:transition>
+    </mc:Choice>
+    <mc:Fallback>
+      <p:transition spd="med">
+        <p:fade/>
+      </p:transition>
+    </mc:Fallback>
+  </mc:AlternateContent>
 </p:sld>
 </file>
 
@@ -20464,7 +20698,7 @@
             </a:pPr>
             <a:r>
               <a:rPr lang="en-US"/>
-              <a:t>Das Endprodunkt funktioniert, könnte aber besser sein</a:t>
+              <a:t>Das Endprodunkt funktioniert, könnte aber besser sein.</a:t>
             </a:r>
           </a:p>
         </p:txBody>
@@ -20983,13 +21217,14 @@
               <a:t> </a:t>
             </a:r>
             <a:r>
-              <a:rPr lang="en-US" dirty="0" err="1"/>
+              <a:rPr lang="en-US" err="1"/>
               <a:t>gutes</a:t>
             </a:r>
             <a:r>
-              <a:rPr lang="en-US" dirty="0"/>
-              <a:t> Thema</a:t>
+              <a:rPr lang="en-US"/>
+              <a:t> Thema.</a:t>
             </a:r>
+            <a:endParaRPr lang="en-US" dirty="0"/>
           </a:p>
         </p:txBody>
       </p:sp>
@@ -22763,6 +22998,18 @@
   <p:clrMapOvr>
     <a:masterClrMapping/>
   </p:clrMapOvr>
+  <mc:AlternateContent xmlns:mc="http://schemas.openxmlformats.org/markup-compatibility/2006">
+    <mc:Choice xmlns:p14="http://schemas.microsoft.com/office/powerpoint/2010/main" Requires="p14">
+      <p:transition spd="med" p14:dur="700">
+        <p:fade/>
+      </p:transition>
+    </mc:Choice>
+    <mc:Fallback>
+      <p:transition spd="med">
+        <p:fade/>
+      </p:transition>
+    </mc:Fallback>
+  </mc:AlternateContent>
 </p:sld>
 </file>
 
@@ -23171,6 +23418,18 @@
   <p:clrMapOvr>
     <a:masterClrMapping/>
   </p:clrMapOvr>
+  <mc:AlternateContent xmlns:mc="http://schemas.openxmlformats.org/markup-compatibility/2006">
+    <mc:Choice xmlns:p14="http://schemas.microsoft.com/office/powerpoint/2010/main" Requires="p14">
+      <p:transition spd="med" p14:dur="700">
+        <p:fade/>
+      </p:transition>
+    </mc:Choice>
+    <mc:Fallback>
+      <p:transition spd="med">
+        <p:fade/>
+      </p:transition>
+    </mc:Fallback>
+  </mc:AlternateContent>
 </p:sld>
 </file>
 
